--- a/APACHE_HBASE.pptx
+++ b/APACHE_HBASE.pptx
@@ -7,7 +7,9 @@
   <p:sldIdLst>
     <p:sldId id="257" r:id="rId2"/>
     <p:sldId id="258" r:id="rId3"/>
-    <p:sldId id="259" r:id="rId4"/>
+    <p:sldId id="260" r:id="rId4"/>
+    <p:sldId id="261" r:id="rId5"/>
+    <p:sldId id="259" r:id="rId6"/>
   </p:sldIdLst>
   <p:sldSz cx="12192000" cy="6858000"/>
   <p:notesSz cx="6858000" cy="9144000"/>
@@ -106,6 +108,11 @@
       </a:defRPr>
     </a:lvl9pPr>
   </p:defaultTextStyle>
+  <p:extLst>
+    <p:ext uri="{EFAFB233-063F-42B5-8137-9DF3F51BA10A}">
+      <p15:sldGuideLst xmlns:p15="http://schemas.microsoft.com/office/powerpoint/2012/main"/>
+    </p:ext>
+  </p:extLst>
 </p:presentation>
 </file>
 
@@ -3920,6 +3927,303 @@
       </p:grpSpPr>
       <p:sp>
         <p:nvSpPr>
+          <p:cNvPr id="2" name="Título 1">
+            <a:extLst>
+              <a:ext uri="{FF2B5EF4-FFF2-40B4-BE49-F238E27FC236}">
+                <a16:creationId xmlns:a16="http://schemas.microsoft.com/office/drawing/2014/main" id="{267BD139-47E2-4AA0-B823-3F0463DAAD5C}"/>
+              </a:ext>
+            </a:extLst>
+          </p:cNvPr>
+          <p:cNvSpPr>
+            <a:spLocks noGrp="1"/>
+          </p:cNvSpPr>
+          <p:nvPr>
+            <p:ph type="title"/>
+          </p:nvPr>
+        </p:nvSpPr>
+        <p:spPr>
+          <a:xfrm>
+            <a:off x="309489" y="-230060"/>
+            <a:ext cx="10616887" cy="1325562"/>
+          </a:xfrm>
+        </p:spPr>
+        <p:txBody>
+          <a:bodyPr/>
+          <a:lstStyle/>
+          <a:p>
+            <a:r>
+              <a:rPr lang="es-MX" dirty="0"/>
+              <a:t>ADVANTAGES AND DISADVANTAGES</a:t>
+            </a:r>
+          </a:p>
+        </p:txBody>
+      </p:sp>
+      <p:pic>
+        <p:nvPicPr>
+          <p:cNvPr id="7" name="Marcador de contenido 6" descr="Imagen que contiene persona, objeto, reloj, sujetando&#10;&#10;Descripción generada automáticamente">
+            <a:extLst>
+              <a:ext uri="{FF2B5EF4-FFF2-40B4-BE49-F238E27FC236}">
+                <a16:creationId xmlns:a16="http://schemas.microsoft.com/office/drawing/2014/main" id="{B6B10836-6427-4343-99B2-2E727A071C69}"/>
+              </a:ext>
+            </a:extLst>
+          </p:cNvPr>
+          <p:cNvPicPr>
+            <a:picLocks noGrp="1" noChangeAspect="1"/>
+          </p:cNvPicPr>
+          <p:nvPr>
+            <p:ph idx="1"/>
+          </p:nvPr>
+        </p:nvPicPr>
+        <p:blipFill rotWithShape="1">
+          <a:blip r:embed="rId2">
+            <a:extLst>
+              <a:ext uri="{28A0092B-C50C-407E-A947-70E740481C1C}">
+                <a14:useLocalDpi xmlns:a14="http://schemas.microsoft.com/office/drawing/2010/main" val="0"/>
+              </a:ext>
+            </a:extLst>
+          </a:blip>
+          <a:srcRect l="14811"/>
+          <a:stretch/>
+        </p:blipFill>
+        <p:spPr>
+          <a:xfrm>
+            <a:off x="1364333" y="1532546"/>
+            <a:ext cx="3894337" cy="2350692"/>
+          </a:xfrm>
+        </p:spPr>
+      </p:pic>
+      <p:pic>
+        <p:nvPicPr>
+          <p:cNvPr id="9" name="Imagen 8" descr="Imagen que contiene sala, casa de apuestas, escena&#10;&#10;Descripción generada automáticamente">
+            <a:extLst>
+              <a:ext uri="{FF2B5EF4-FFF2-40B4-BE49-F238E27FC236}">
+                <a16:creationId xmlns:a16="http://schemas.microsoft.com/office/drawing/2014/main" id="{DEA9A817-4C8C-427E-9136-1A986CFA9062}"/>
+              </a:ext>
+            </a:extLst>
+          </p:cNvPr>
+          <p:cNvPicPr>
+            <a:picLocks noChangeAspect="1"/>
+          </p:cNvPicPr>
+          <p:nvPr/>
+        </p:nvPicPr>
+        <p:blipFill rotWithShape="1">
+          <a:blip r:embed="rId3">
+            <a:extLst>
+              <a:ext uri="{28A0092B-C50C-407E-A947-70E740481C1C}">
+                <a14:useLocalDpi xmlns:a14="http://schemas.microsoft.com/office/drawing/2010/main" val="0"/>
+              </a:ext>
+            </a:extLst>
+          </a:blip>
+          <a:srcRect l="21529" t="18259" r="22348" b="17906"/>
+          <a:stretch/>
+        </p:blipFill>
+        <p:spPr>
+          <a:xfrm>
+            <a:off x="6096000" y="1532546"/>
+            <a:ext cx="3894337" cy="2350692"/>
+          </a:xfrm>
+          <a:prstGeom prst="rect">
+            <a:avLst/>
+          </a:prstGeom>
+        </p:spPr>
+      </p:pic>
+      <p:pic>
+        <p:nvPicPr>
+          <p:cNvPr id="11" name="Imagen 10" descr="Imagen que contiene electrónica, circuito&#10;&#10;Descripción generada automáticamente">
+            <a:extLst>
+              <a:ext uri="{FF2B5EF4-FFF2-40B4-BE49-F238E27FC236}">
+                <a16:creationId xmlns:a16="http://schemas.microsoft.com/office/drawing/2014/main" id="{9F101BF1-45B4-4FCF-92CF-F4F2182A2B79}"/>
+              </a:ext>
+            </a:extLst>
+          </p:cNvPr>
+          <p:cNvPicPr>
+            <a:picLocks noChangeAspect="1"/>
+          </p:cNvPicPr>
+          <p:nvPr/>
+        </p:nvPicPr>
+        <p:blipFill>
+          <a:blip r:embed="rId4">
+            <a:extLst>
+              <a:ext uri="{28A0092B-C50C-407E-A947-70E740481C1C}">
+                <a14:useLocalDpi xmlns:a14="http://schemas.microsoft.com/office/drawing/2010/main" val="0"/>
+              </a:ext>
+            </a:extLst>
+          </a:blip>
+          <a:stretch>
+            <a:fillRect/>
+          </a:stretch>
+        </p:blipFill>
+        <p:spPr>
+          <a:xfrm>
+            <a:off x="6300464" y="4245005"/>
+            <a:ext cx="3894336" cy="2473847"/>
+          </a:xfrm>
+          <a:prstGeom prst="rect">
+            <a:avLst/>
+          </a:prstGeom>
+        </p:spPr>
+      </p:pic>
+      <p:pic>
+        <p:nvPicPr>
+          <p:cNvPr id="13" name="Imagen 12" descr="Imagen que contiene planta, árbol, cielo&#10;&#10;Descripción generada automáticamente">
+            <a:extLst>
+              <a:ext uri="{FF2B5EF4-FFF2-40B4-BE49-F238E27FC236}">
+                <a16:creationId xmlns:a16="http://schemas.microsoft.com/office/drawing/2014/main" id="{E1CDC589-6043-43D5-A084-AC0297FE5CE8}"/>
+              </a:ext>
+            </a:extLst>
+          </p:cNvPr>
+          <p:cNvPicPr>
+            <a:picLocks noChangeAspect="1"/>
+          </p:cNvPicPr>
+          <p:nvPr/>
+        </p:nvPicPr>
+        <p:blipFill rotWithShape="1">
+          <a:blip r:embed="rId5">
+            <a:extLst>
+              <a:ext uri="{28A0092B-C50C-407E-A947-70E740481C1C}">
+                <a14:useLocalDpi xmlns:a14="http://schemas.microsoft.com/office/drawing/2010/main" val="0"/>
+              </a:ext>
+            </a:extLst>
+          </a:blip>
+          <a:srcRect l="10597" t="12428" r="10867" b="7790"/>
+          <a:stretch/>
+        </p:blipFill>
+        <p:spPr>
+          <a:xfrm>
+            <a:off x="1364333" y="4270350"/>
+            <a:ext cx="3950430" cy="2350693"/>
+          </a:xfrm>
+          <a:prstGeom prst="rect">
+            <a:avLst/>
+          </a:prstGeom>
+        </p:spPr>
+      </p:pic>
+    </p:spTree>
+    <p:extLst>
+      <p:ext uri="{BB962C8B-B14F-4D97-AF65-F5344CB8AC3E}">
+        <p14:creationId xmlns:p14="http://schemas.microsoft.com/office/powerpoint/2010/main" val="3357703810"/>
+      </p:ext>
+    </p:extLst>
+  </p:cSld>
+  <p:clrMapOvr>
+    <a:masterClrMapping/>
+  </p:clrMapOvr>
+</p:sld>
+</file>
+
+<file path=ppt/slides/slide4.xml><?xml version="1.0" encoding="utf-8"?>
+<p:sld xmlns:a="http://schemas.openxmlformats.org/drawingml/2006/main" xmlns:r="http://schemas.openxmlformats.org/officeDocument/2006/relationships" xmlns:p="http://schemas.openxmlformats.org/presentationml/2006/main">
+  <p:cSld>
+    <p:spTree>
+      <p:nvGrpSpPr>
+        <p:cNvPr id="1" name=""/>
+        <p:cNvGrpSpPr/>
+        <p:nvPr/>
+      </p:nvGrpSpPr>
+      <p:grpSpPr>
+        <a:xfrm>
+          <a:off x="0" y="0"/>
+          <a:ext cx="0" cy="0"/>
+          <a:chOff x="0" y="0"/>
+          <a:chExt cx="0" cy="0"/>
+        </a:xfrm>
+      </p:grpSpPr>
+      <p:sp>
+        <p:nvSpPr>
+          <p:cNvPr id="2" name="Título 1">
+            <a:extLst>
+              <a:ext uri="{FF2B5EF4-FFF2-40B4-BE49-F238E27FC236}">
+                <a16:creationId xmlns:a16="http://schemas.microsoft.com/office/drawing/2014/main" id="{2B240259-CD97-4D7C-8FE3-ECE1E9965E30}"/>
+              </a:ext>
+            </a:extLst>
+          </p:cNvPr>
+          <p:cNvSpPr>
+            <a:spLocks noGrp="1"/>
+          </p:cNvSpPr>
+          <p:nvPr>
+            <p:ph type="title"/>
+          </p:nvPr>
+        </p:nvSpPr>
+        <p:spPr/>
+        <p:txBody>
+          <a:bodyPr/>
+          <a:lstStyle/>
+          <a:p>
+            <a:r>
+              <a:rPr lang="es-MX" dirty="0"/>
+              <a:t>APPLICATIONS</a:t>
+            </a:r>
+          </a:p>
+        </p:txBody>
+      </p:sp>
+      <p:pic>
+        <p:nvPicPr>
+          <p:cNvPr id="5" name="Imagen 4" descr="Imagen que contiene edificio, shoji, exterior&#10;&#10;Descripción generada automáticamente">
+            <a:extLst>
+              <a:ext uri="{FF2B5EF4-FFF2-40B4-BE49-F238E27FC236}">
+                <a16:creationId xmlns:a16="http://schemas.microsoft.com/office/drawing/2014/main" id="{AE88B827-BBA4-4D4F-A23B-CE3B6B283B29}"/>
+              </a:ext>
+            </a:extLst>
+          </p:cNvPr>
+          <p:cNvPicPr>
+            <a:picLocks noChangeAspect="1"/>
+          </p:cNvPicPr>
+          <p:nvPr/>
+        </p:nvPicPr>
+        <p:blipFill>
+          <a:blip r:embed="rId2">
+            <a:extLst>
+              <a:ext uri="{28A0092B-C50C-407E-A947-70E740481C1C}">
+                <a14:useLocalDpi xmlns:a14="http://schemas.microsoft.com/office/drawing/2010/main" val="0"/>
+              </a:ext>
+            </a:extLst>
+          </a:blip>
+          <a:stretch>
+            <a:fillRect/>
+          </a:stretch>
+        </p:blipFill>
+        <p:spPr>
+          <a:xfrm>
+            <a:off x="-1" y="-1"/>
+            <a:ext cx="12192001" cy="6858001"/>
+          </a:xfrm>
+          <a:prstGeom prst="rect">
+            <a:avLst/>
+          </a:prstGeom>
+        </p:spPr>
+      </p:pic>
+    </p:spTree>
+    <p:extLst>
+      <p:ext uri="{BB962C8B-B14F-4D97-AF65-F5344CB8AC3E}">
+        <p14:creationId xmlns:p14="http://schemas.microsoft.com/office/powerpoint/2010/main" val="701494190"/>
+      </p:ext>
+    </p:extLst>
+  </p:cSld>
+  <p:clrMapOvr>
+    <a:masterClrMapping/>
+  </p:clrMapOvr>
+</p:sld>
+</file>
+
+<file path=ppt/slides/slide5.xml><?xml version="1.0" encoding="utf-8"?>
+<p:sld xmlns:a="http://schemas.openxmlformats.org/drawingml/2006/main" xmlns:r="http://schemas.openxmlformats.org/officeDocument/2006/relationships" xmlns:p="http://schemas.openxmlformats.org/presentationml/2006/main">
+  <p:cSld>
+    <p:spTree>
+      <p:nvGrpSpPr>
+        <p:cNvPr id="1" name=""/>
+        <p:cNvGrpSpPr/>
+        <p:nvPr/>
+      </p:nvGrpSpPr>
+      <p:grpSpPr>
+        <a:xfrm>
+          <a:off x="0" y="0"/>
+          <a:ext cx="0" cy="0"/>
+          <a:chOff x="0" y="0"/>
+          <a:chExt cx="0" cy="0"/>
+        </a:xfrm>
+      </p:grpSpPr>
+      <p:sp>
+        <p:nvSpPr>
           <p:cNvPr id="4" name="Subtítulo 2">
             <a:extLst>
               <a:ext uri="{FF2B5EF4-FFF2-40B4-BE49-F238E27FC236}">
